--- a/PSI_2/PSI_2.pptx
+++ b/PSI_2/PSI_2.pptx
@@ -8,6 +8,7 @@
     <p:sldId id="261" r:id="rId2"/>
     <p:sldId id="258" r:id="rId3"/>
     <p:sldId id="257" r:id="rId4"/>
+    <p:sldId id="262" r:id="rId5"/>
   </p:sldIdLst>
   <p:sldSz cx="12192000" cy="6858000"/>
   <p:notesSz cx="6858000" cy="9144000"/>
@@ -263,7 +264,7 @@
           <a:p>
             <a:fld id="{B317E240-02C1-4126-80EC-B9382BFBC301}" type="datetimeFigureOut">
               <a:rPr lang="pl-PL" smtClean="0"/>
-              <a:t>28.03.2018</a:t>
+              <a:t>24.04.2018</a:t>
             </a:fld>
             <a:endParaRPr lang="pl-PL"/>
           </a:p>
@@ -463,7 +464,7 @@
           <a:p>
             <a:fld id="{B317E240-02C1-4126-80EC-B9382BFBC301}" type="datetimeFigureOut">
               <a:rPr lang="pl-PL" smtClean="0"/>
-              <a:t>28.03.2018</a:t>
+              <a:t>24.04.2018</a:t>
             </a:fld>
             <a:endParaRPr lang="pl-PL"/>
           </a:p>
@@ -673,7 +674,7 @@
           <a:p>
             <a:fld id="{B317E240-02C1-4126-80EC-B9382BFBC301}" type="datetimeFigureOut">
               <a:rPr lang="pl-PL" smtClean="0"/>
-              <a:t>28.03.2018</a:t>
+              <a:t>24.04.2018</a:t>
             </a:fld>
             <a:endParaRPr lang="pl-PL"/>
           </a:p>
@@ -873,7 +874,7 @@
           <a:p>
             <a:fld id="{B317E240-02C1-4126-80EC-B9382BFBC301}" type="datetimeFigureOut">
               <a:rPr lang="pl-PL" smtClean="0"/>
-              <a:t>28.03.2018</a:t>
+              <a:t>24.04.2018</a:t>
             </a:fld>
             <a:endParaRPr lang="pl-PL"/>
           </a:p>
@@ -1149,7 +1150,7 @@
           <a:p>
             <a:fld id="{B317E240-02C1-4126-80EC-B9382BFBC301}" type="datetimeFigureOut">
               <a:rPr lang="pl-PL" smtClean="0"/>
-              <a:t>28.03.2018</a:t>
+              <a:t>24.04.2018</a:t>
             </a:fld>
             <a:endParaRPr lang="pl-PL"/>
           </a:p>
@@ -1417,7 +1418,7 @@
           <a:p>
             <a:fld id="{B317E240-02C1-4126-80EC-B9382BFBC301}" type="datetimeFigureOut">
               <a:rPr lang="pl-PL" smtClean="0"/>
-              <a:t>28.03.2018</a:t>
+              <a:t>24.04.2018</a:t>
             </a:fld>
             <a:endParaRPr lang="pl-PL"/>
           </a:p>
@@ -1832,7 +1833,7 @@
           <a:p>
             <a:fld id="{B317E240-02C1-4126-80EC-B9382BFBC301}" type="datetimeFigureOut">
               <a:rPr lang="pl-PL" smtClean="0"/>
-              <a:t>28.03.2018</a:t>
+              <a:t>24.04.2018</a:t>
             </a:fld>
             <a:endParaRPr lang="pl-PL"/>
           </a:p>
@@ -1974,7 +1975,7 @@
           <a:p>
             <a:fld id="{B317E240-02C1-4126-80EC-B9382BFBC301}" type="datetimeFigureOut">
               <a:rPr lang="pl-PL" smtClean="0"/>
-              <a:t>28.03.2018</a:t>
+              <a:t>24.04.2018</a:t>
             </a:fld>
             <a:endParaRPr lang="pl-PL"/>
           </a:p>
@@ -2087,7 +2088,7 @@
           <a:p>
             <a:fld id="{B317E240-02C1-4126-80EC-B9382BFBC301}" type="datetimeFigureOut">
               <a:rPr lang="pl-PL" smtClean="0"/>
-              <a:t>28.03.2018</a:t>
+              <a:t>24.04.2018</a:t>
             </a:fld>
             <a:endParaRPr lang="pl-PL"/>
           </a:p>
@@ -2400,7 +2401,7 @@
           <a:p>
             <a:fld id="{B317E240-02C1-4126-80EC-B9382BFBC301}" type="datetimeFigureOut">
               <a:rPr lang="pl-PL" smtClean="0"/>
-              <a:t>28.03.2018</a:t>
+              <a:t>24.04.2018</a:t>
             </a:fld>
             <a:endParaRPr lang="pl-PL"/>
           </a:p>
@@ -2689,7 +2690,7 @@
           <a:p>
             <a:fld id="{B317E240-02C1-4126-80EC-B9382BFBC301}" type="datetimeFigureOut">
               <a:rPr lang="pl-PL" smtClean="0"/>
-              <a:t>28.03.2018</a:t>
+              <a:t>24.04.2018</a:t>
             </a:fld>
             <a:endParaRPr lang="pl-PL"/>
           </a:p>
@@ -2932,7 +2933,7 @@
           <a:p>
             <a:fld id="{B317E240-02C1-4126-80EC-B9382BFBC301}" type="datetimeFigureOut">
               <a:rPr lang="pl-PL" smtClean="0"/>
-              <a:t>28.03.2018</a:t>
+              <a:t>24.04.2018</a:t>
             </a:fld>
             <a:endParaRPr lang="pl-PL"/>
           </a:p>
@@ -3372,7 +3373,7 @@
           <a:p>
             <a:r>
               <a:rPr lang="pl-PL" dirty="0"/>
-              <a:t>PSI 2</a:t>
+              <a:t>PSI 2                </a:t>
             </a:r>
           </a:p>
         </p:txBody>
@@ -3415,6 +3416,40 @@
           </a:xfrm>
         </p:spPr>
       </p:pic>
+      <p:sp>
+        <p:nvSpPr>
+          <p:cNvPr id="3" name="Rectangle 2">
+            <a:extLst>
+              <a:ext uri="{FF2B5EF4-FFF2-40B4-BE49-F238E27FC236}">
+                <a16:creationId xmlns:a16="http://schemas.microsoft.com/office/drawing/2014/main" id="{2692E6A8-A15A-4E74-B0DF-812C5E6CCCBE}"/>
+              </a:ext>
+            </a:extLst>
+          </p:cNvPr>
+          <p:cNvSpPr/>
+          <p:nvPr/>
+        </p:nvSpPr>
+        <p:spPr>
+          <a:xfrm>
+            <a:off x="8287872" y="6123543"/>
+            <a:ext cx="3415037" cy="369332"/>
+          </a:xfrm>
+          <a:prstGeom prst="rect">
+            <a:avLst/>
+          </a:prstGeom>
+        </p:spPr>
+        <p:txBody>
+          <a:bodyPr wrap="none">
+            <a:spAutoFit/>
+          </a:bodyPr>
+          <a:lstStyle/>
+          <a:p>
+            <a:r>
+              <a:rPr lang="pl-PL" b="1" dirty="0"/>
+              <a:t>Przemyslaw Lewandowski 221477</a:t>
+            </a:r>
+          </a:p>
+        </p:txBody>
+      </p:sp>
     </p:spTree>
     <p:extLst>
       <p:ext uri="{BB962C8B-B14F-4D97-AF65-F5344CB8AC3E}">
@@ -3912,7 +3947,7 @@
                   <a:srgbClr val="FF0000"/>
                 </a:solidFill>
               </a:rPr>
-              <a:t>224 cyckle aby osiagnac to co za innym razem udaje sie osiagnac w krotszym czasie przy „gorszym” wejsciu.</a:t>
+              <a:t>224 cycle aby osiagnac to co za innym razem udaje sie osiagnac w krotszym czasie przy „gorszym” wejsciu.</a:t>
             </a:r>
           </a:p>
         </p:txBody>
@@ -3921,6 +3956,104 @@
     <p:extLst>
       <p:ext uri="{BB962C8B-B14F-4D97-AF65-F5344CB8AC3E}">
         <p14:creationId xmlns:p14="http://schemas.microsoft.com/office/powerpoint/2010/main" val="1707990174"/>
+      </p:ext>
+    </p:extLst>
+  </p:cSld>
+  <p:clrMapOvr>
+    <a:masterClrMapping/>
+  </p:clrMapOvr>
+</p:sld>
+</file>
+
+<file path=ppt/slides/slide4.xml><?xml version="1.0" encoding="utf-8"?>
+<p:sld xmlns:a="http://schemas.openxmlformats.org/drawingml/2006/main" xmlns:r="http://schemas.openxmlformats.org/officeDocument/2006/relationships" xmlns:p="http://schemas.openxmlformats.org/presentationml/2006/main">
+  <p:cSld>
+    <p:spTree>
+      <p:nvGrpSpPr>
+        <p:cNvPr id="1" name=""/>
+        <p:cNvGrpSpPr/>
+        <p:nvPr/>
+      </p:nvGrpSpPr>
+      <p:grpSpPr>
+        <a:xfrm>
+          <a:off x="0" y="0"/>
+          <a:ext cx="0" cy="0"/>
+          <a:chOff x="0" y="0"/>
+          <a:chExt cx="0" cy="0"/>
+        </a:xfrm>
+      </p:grpSpPr>
+      <p:sp>
+        <p:nvSpPr>
+          <p:cNvPr id="2" name="Title 1">
+            <a:extLst>
+              <a:ext uri="{FF2B5EF4-FFF2-40B4-BE49-F238E27FC236}">
+                <a16:creationId xmlns:a16="http://schemas.microsoft.com/office/drawing/2014/main" id="{61215216-B656-4223-9232-F677069BEB72}"/>
+              </a:ext>
+            </a:extLst>
+          </p:cNvPr>
+          <p:cNvSpPr>
+            <a:spLocks noGrp="1"/>
+          </p:cNvSpPr>
+          <p:nvPr>
+            <p:ph type="title"/>
+          </p:nvPr>
+        </p:nvSpPr>
+        <p:spPr/>
+        <p:txBody>
+          <a:bodyPr/>
+          <a:lstStyle/>
+          <a:p>
+            <a:r>
+              <a:rPr lang="pl-PL" dirty="0"/>
+              <a:t>24.04.2018 Update</a:t>
+            </a:r>
+          </a:p>
+        </p:txBody>
+      </p:sp>
+      <p:sp>
+        <p:nvSpPr>
+          <p:cNvPr id="3" name="Content Placeholder 2">
+            <a:extLst>
+              <a:ext uri="{FF2B5EF4-FFF2-40B4-BE49-F238E27FC236}">
+                <a16:creationId xmlns:a16="http://schemas.microsoft.com/office/drawing/2014/main" id="{4300DF5E-B5CE-47BE-AE03-0D0D83A9BBF4}"/>
+              </a:ext>
+            </a:extLst>
+          </p:cNvPr>
+          <p:cNvSpPr>
+            <a:spLocks noGrp="1"/>
+          </p:cNvSpPr>
+          <p:nvPr>
+            <p:ph idx="1"/>
+          </p:nvPr>
+        </p:nvSpPr>
+        <p:spPr/>
+        <p:txBody>
+          <a:bodyPr/>
+          <a:lstStyle/>
+          <a:p>
+            <a:r>
+              <a:rPr lang="pl-PL" dirty="0"/>
+              <a:t>Wcześniejsze wykresy nie były miarodajne ponieważ punkty były średnimi wartościami dziesiętnymi policzonymi z całej populacji.</a:t>
+            </a:r>
+          </a:p>
+          <a:p>
+            <a:r>
+              <a:rPr lang="pl-PL" dirty="0"/>
+              <a:t>Mimo że algorytm jest w stanie w dość szybkim czasie doprowadzić do populacji gdzie każdy chromosom ma wartość &gt;=126 nie jest on w stanie znaleźć rozwiązań gdzie wszystkie będą róne 127.</a:t>
+            </a:r>
+          </a:p>
+          <a:p>
+            <a:r>
+              <a:rPr lang="pl-PL" dirty="0"/>
+              <a:t>Błąd w algorytmie dalej nierozpoznany.</a:t>
+            </a:r>
+          </a:p>
+        </p:txBody>
+      </p:sp>
+    </p:spTree>
+    <p:extLst>
+      <p:ext uri="{BB962C8B-B14F-4D97-AF65-F5344CB8AC3E}">
+        <p14:creationId xmlns:p14="http://schemas.microsoft.com/office/powerpoint/2010/main" val="2700447411"/>
       </p:ext>
     </p:extLst>
   </p:cSld>
